--- a/Project_presentation.pptx
+++ b/Project_presentation.pptx
@@ -13358,6 +13358,67 @@
           </a:p>
         </p:txBody>
       </p:sp>
+      <p:sp>
+        <p:nvSpPr>
+          <p:cNvPr id="4" name="Rectangle 3">
+            <a:extLst>
+              <a:ext uri="{FF2B5EF4-FFF2-40B4-BE49-F238E27FC236}">
+                <a16:creationId xmlns:a16="http://schemas.microsoft.com/office/drawing/2014/main" id="{704610BF-8576-4958-85C3-D715C09E60F4}"/>
+              </a:ext>
+            </a:extLst>
+          </p:cNvPr>
+          <p:cNvSpPr/>
+          <p:nvPr/>
+        </p:nvSpPr>
+        <p:spPr>
+          <a:xfrm>
+            <a:off x="9998296" y="6295653"/>
+            <a:ext cx="2517913" cy="375552"/>
+          </a:xfrm>
+          <a:prstGeom prst="rect">
+            <a:avLst/>
+          </a:prstGeom>
+        </p:spPr>
+        <p:txBody>
+          <a:bodyPr wrap="square">
+            <a:spAutoFit/>
+          </a:bodyPr>
+          <a:lstStyle/>
+          <a:p>
+            <a:pPr>
+              <a:lnSpc>
+                <a:spcPct val="107000"/>
+              </a:lnSpc>
+              <a:spcAft>
+                <a:spcPts val="800"/>
+              </a:spcAft>
+            </a:pPr>
+            <a:r>
+              <a:rPr lang="en-GB" dirty="0">
+                <a:effectLst/>
+                <a:latin typeface="Calibri" panose="020F0502020204030204" pitchFamily="34" charset="0"/>
+                <a:ea typeface="Calibri" panose="020F0502020204030204" pitchFamily="34" charset="0"/>
+                <a:cs typeface="Times New Roman" panose="02020603050405020304" pitchFamily="18" charset="0"/>
+              </a:rPr>
+              <a:t>Date </a:t>
+            </a:r>
+            <a:r>
+              <a:rPr lang="en-GB" dirty="0">
+                <a:latin typeface="Calibri" panose="020F0502020204030204" pitchFamily="34" charset="0"/>
+                <a:ea typeface="Calibri" panose="020F0502020204030204" pitchFamily="34" charset="0"/>
+                <a:cs typeface="Times New Roman" panose="02020603050405020304" pitchFamily="18" charset="0"/>
+              </a:rPr>
+              <a:t>- 23/06/2020</a:t>
+            </a:r>
+            <a:endParaRPr lang="en-US" dirty="0">
+              <a:effectLst/>
+              <a:latin typeface="Calibri" panose="020F0502020204030204" pitchFamily="34" charset="0"/>
+              <a:ea typeface="Calibri" panose="020F0502020204030204" pitchFamily="34" charset="0"/>
+              <a:cs typeface="Times New Roman" panose="02020603050405020304" pitchFamily="18" charset="0"/>
+            </a:endParaRPr>
+          </a:p>
+        </p:txBody>
+      </p:sp>
     </p:spTree>
     <p:extLst>
       <p:ext uri="{BB962C8B-B14F-4D97-AF65-F5344CB8AC3E}">
@@ -19307,7 +19368,7 @@
         </p:nvSpPr>
         <p:spPr>
           <a:xfrm>
-            <a:off x="1274038" y="4769128"/>
+            <a:off x="1274037" y="4945550"/>
             <a:ext cx="10274497" cy="1207401"/>
           </a:xfrm>
         </p:spPr>
@@ -19827,8 +19888,8 @@
         </p:blipFill>
         <p:spPr>
           <a:xfrm>
-            <a:off x="1274038" y="0"/>
-            <a:ext cx="10274497" cy="4652760"/>
+            <a:off x="1274038" y="92765"/>
+            <a:ext cx="10274497" cy="4719019"/>
           </a:xfrm>
           <a:prstGeom prst="rect">
             <a:avLst/>
